--- a/새 폴더/제출용 폴더 - 복사본/포트폴리오_안준성.pptx
+++ b/새 폴더/제출용 폴더 - 복사본/포트폴리오_안준성.pptx
@@ -5,7 +5,7 @@
     <p:sldMasterId id="2147483648" r:id="rId1"/>
   </p:sldMasterIdLst>
   <p:notesMasterIdLst>
-    <p:notesMasterId r:id="rId25"/>
+    <p:notesMasterId r:id="rId26"/>
   </p:notesMasterIdLst>
   <p:sldIdLst>
     <p:sldId id="256" r:id="rId2"/>
@@ -21,16 +21,17 @@
     <p:sldId id="274" r:id="rId12"/>
     <p:sldId id="275" r:id="rId13"/>
     <p:sldId id="277" r:id="rId14"/>
-    <p:sldId id="288" r:id="rId15"/>
-    <p:sldId id="283" r:id="rId16"/>
-    <p:sldId id="286" r:id="rId17"/>
-    <p:sldId id="289" r:id="rId18"/>
-    <p:sldId id="287" r:id="rId19"/>
-    <p:sldId id="291" r:id="rId20"/>
-    <p:sldId id="296" r:id="rId21"/>
-    <p:sldId id="297" r:id="rId22"/>
-    <p:sldId id="298" r:id="rId23"/>
-    <p:sldId id="299" r:id="rId24"/>
+    <p:sldId id="301" r:id="rId15"/>
+    <p:sldId id="288" r:id="rId16"/>
+    <p:sldId id="283" r:id="rId17"/>
+    <p:sldId id="286" r:id="rId18"/>
+    <p:sldId id="289" r:id="rId19"/>
+    <p:sldId id="287" r:id="rId20"/>
+    <p:sldId id="291" r:id="rId21"/>
+    <p:sldId id="296" r:id="rId22"/>
+    <p:sldId id="297" r:id="rId23"/>
+    <p:sldId id="298" r:id="rId24"/>
+    <p:sldId id="299" r:id="rId25"/>
   </p:sldIdLst>
   <p:sldSz cx="9144000" cy="6858000" type="screen4x3"/>
   <p:notesSz cx="6858000" cy="9144000"/>
@@ -242,7 +243,7 @@
           <a:p>
             <a:fld id="{D3C60A75-F9F6-4BCE-BA89-5720E8C5384D}" type="datetimeFigureOut">
               <a:rPr lang="ko-KR" altLang="en-US" smtClean="0"/>
-              <a:t>2020-09-25</a:t>
+              <a:t>2020-09-28</a:t>
             </a:fld>
             <a:endParaRPr lang="ko-KR" altLang="en-US"/>
           </a:p>
@@ -775,7 +776,7 @@
           <a:p>
             <a:fld id="{6E4B511B-4532-46B9-B608-E378E1AAA20A}" type="datetimeFigureOut">
               <a:rPr lang="ko-KR" altLang="en-US" smtClean="0"/>
-              <a:t>2020-09-25</a:t>
+              <a:t>2020-09-28</a:t>
             </a:fld>
             <a:endParaRPr lang="ko-KR" altLang="en-US"/>
           </a:p>
@@ -945,7 +946,7 @@
           <a:p>
             <a:fld id="{6E4B511B-4532-46B9-B608-E378E1AAA20A}" type="datetimeFigureOut">
               <a:rPr lang="ko-KR" altLang="en-US" smtClean="0"/>
-              <a:t>2020-09-25</a:t>
+              <a:t>2020-09-28</a:t>
             </a:fld>
             <a:endParaRPr lang="ko-KR" altLang="en-US"/>
           </a:p>
@@ -1125,7 +1126,7 @@
           <a:p>
             <a:fld id="{6E4B511B-4532-46B9-B608-E378E1AAA20A}" type="datetimeFigureOut">
               <a:rPr lang="ko-KR" altLang="en-US" smtClean="0"/>
-              <a:t>2020-09-25</a:t>
+              <a:t>2020-09-28</a:t>
             </a:fld>
             <a:endParaRPr lang="ko-KR" altLang="en-US"/>
           </a:p>
@@ -1295,7 +1296,7 @@
           <a:p>
             <a:fld id="{6E4B511B-4532-46B9-B608-E378E1AAA20A}" type="datetimeFigureOut">
               <a:rPr lang="ko-KR" altLang="en-US" smtClean="0"/>
-              <a:t>2020-09-25</a:t>
+              <a:t>2020-09-28</a:t>
             </a:fld>
             <a:endParaRPr lang="ko-KR" altLang="en-US"/>
           </a:p>
@@ -1541,7 +1542,7 @@
           <a:p>
             <a:fld id="{6E4B511B-4532-46B9-B608-E378E1AAA20A}" type="datetimeFigureOut">
               <a:rPr lang="ko-KR" altLang="en-US" smtClean="0"/>
-              <a:t>2020-09-25</a:t>
+              <a:t>2020-09-28</a:t>
             </a:fld>
             <a:endParaRPr lang="ko-KR" altLang="en-US"/>
           </a:p>
@@ -1829,7 +1830,7 @@
           <a:p>
             <a:fld id="{6E4B511B-4532-46B9-B608-E378E1AAA20A}" type="datetimeFigureOut">
               <a:rPr lang="ko-KR" altLang="en-US" smtClean="0"/>
-              <a:t>2020-09-25</a:t>
+              <a:t>2020-09-28</a:t>
             </a:fld>
             <a:endParaRPr lang="ko-KR" altLang="en-US"/>
           </a:p>
@@ -2251,7 +2252,7 @@
           <a:p>
             <a:fld id="{6E4B511B-4532-46B9-B608-E378E1AAA20A}" type="datetimeFigureOut">
               <a:rPr lang="ko-KR" altLang="en-US" smtClean="0"/>
-              <a:t>2020-09-25</a:t>
+              <a:t>2020-09-28</a:t>
             </a:fld>
             <a:endParaRPr lang="ko-KR" altLang="en-US"/>
           </a:p>
@@ -2369,7 +2370,7 @@
           <a:p>
             <a:fld id="{6E4B511B-4532-46B9-B608-E378E1AAA20A}" type="datetimeFigureOut">
               <a:rPr lang="ko-KR" altLang="en-US" smtClean="0"/>
-              <a:t>2020-09-25</a:t>
+              <a:t>2020-09-28</a:t>
             </a:fld>
             <a:endParaRPr lang="ko-KR" altLang="en-US"/>
           </a:p>
@@ -2464,7 +2465,7 @@
           <a:p>
             <a:fld id="{6E4B511B-4532-46B9-B608-E378E1AAA20A}" type="datetimeFigureOut">
               <a:rPr lang="ko-KR" altLang="en-US" smtClean="0"/>
-              <a:t>2020-09-25</a:t>
+              <a:t>2020-09-28</a:t>
             </a:fld>
             <a:endParaRPr lang="ko-KR" altLang="en-US"/>
           </a:p>
@@ -2741,7 +2742,7 @@
           <a:p>
             <a:fld id="{6E4B511B-4532-46B9-B608-E378E1AAA20A}" type="datetimeFigureOut">
               <a:rPr lang="ko-KR" altLang="en-US" smtClean="0"/>
-              <a:t>2020-09-25</a:t>
+              <a:t>2020-09-28</a:t>
             </a:fld>
             <a:endParaRPr lang="ko-KR" altLang="en-US"/>
           </a:p>
@@ -2994,7 +2995,7 @@
           <a:p>
             <a:fld id="{6E4B511B-4532-46B9-B608-E378E1AAA20A}" type="datetimeFigureOut">
               <a:rPr lang="ko-KR" altLang="en-US" smtClean="0"/>
-              <a:t>2020-09-25</a:t>
+              <a:t>2020-09-28</a:t>
             </a:fld>
             <a:endParaRPr lang="ko-KR" altLang="en-US"/>
           </a:p>
@@ -3222,7 +3223,7 @@
           <a:p>
             <a:fld id="{6E4B511B-4532-46B9-B608-E378E1AAA20A}" type="datetimeFigureOut">
               <a:rPr lang="ko-KR" altLang="en-US" smtClean="0"/>
-              <a:t>2020-09-25</a:t>
+              <a:t>2020-09-28</a:t>
             </a:fld>
             <a:endParaRPr lang="ko-KR" altLang="en-US"/>
           </a:p>
@@ -4530,6 +4531,264 @@
               <a:t>로그인 관련 </a:t>
             </a:r>
             <a:r>
+              <a:rPr lang="en-US" altLang="ko-KR" dirty="0" smtClean="0">
+                <a:solidFill>
+                  <a:schemeClr val="accent1">
+                    <a:lumMod val="50000"/>
+                  </a:schemeClr>
+                </a:solidFill>
+                <a:latin typeface="나눔고딕" panose="020D0604000000000000" pitchFamily="50" charset="-127"/>
+                <a:ea typeface="나눔고딕" panose="020D0604000000000000" pitchFamily="50" charset="-127"/>
+              </a:rPr>
+              <a:t>JSP</a:t>
+            </a:r>
+            <a:r>
+              <a:rPr lang="ko-KR" altLang="en-US" dirty="0" smtClean="0">
+                <a:solidFill>
+                  <a:schemeClr val="accent1">
+                    <a:lumMod val="50000"/>
+                  </a:schemeClr>
+                </a:solidFill>
+                <a:latin typeface="나눔고딕" panose="020D0604000000000000" pitchFamily="50" charset="-127"/>
+                <a:ea typeface="나눔고딕" panose="020D0604000000000000" pitchFamily="50" charset="-127"/>
+              </a:rPr>
+              <a:t> </a:t>
+            </a:r>
+            <a:r>
+              <a:rPr lang="ko-KR" altLang="en-US" dirty="0" smtClean="0">
+                <a:solidFill>
+                  <a:schemeClr val="accent1">
+                    <a:lumMod val="50000"/>
+                  </a:schemeClr>
+                </a:solidFill>
+                <a:latin typeface="나눔고딕" panose="020D0604000000000000" pitchFamily="50" charset="-127"/>
+                <a:ea typeface="나눔고딕" panose="020D0604000000000000" pitchFamily="50" charset="-127"/>
+              </a:rPr>
+              <a:t>코드</a:t>
+            </a:r>
+            <a:endParaRPr lang="ko-KR" altLang="en-US" dirty="0">
+              <a:solidFill>
+                <a:schemeClr val="accent1">
+                  <a:lumMod val="50000"/>
+                </a:schemeClr>
+              </a:solidFill>
+              <a:latin typeface="나눔고딕" panose="020D0604000000000000" pitchFamily="50" charset="-127"/>
+              <a:ea typeface="나눔고딕" panose="020D0604000000000000" pitchFamily="50" charset="-127"/>
+            </a:endParaRPr>
+          </a:p>
+        </p:txBody>
+      </p:sp>
+      <p:sp>
+        <p:nvSpPr>
+          <p:cNvPr id="9" name="TextBox 8"/>
+          <p:cNvSpPr txBox="1"/>
+          <p:nvPr/>
+        </p:nvSpPr>
+        <p:spPr>
+          <a:xfrm>
+            <a:off x="297035" y="2852936"/>
+            <a:ext cx="3433953" cy="276999"/>
+          </a:xfrm>
+          <a:prstGeom prst="rect">
+            <a:avLst/>
+          </a:prstGeom>
+          <a:noFill/>
+          <a:ln>
+            <a:solidFill>
+              <a:schemeClr val="tx1"/>
+            </a:solidFill>
+          </a:ln>
+        </p:spPr>
+        <p:txBody>
+          <a:bodyPr wrap="none" rtlCol="0">
+            <a:spAutoFit/>
+          </a:bodyPr>
+          <a:lstStyle/>
+          <a:p>
+            <a:r>
+              <a:rPr lang="en-US" altLang="ko-KR" sz="1200" dirty="0" smtClean="0"/>
+              <a:t>JSP</a:t>
+            </a:r>
+            <a:r>
+              <a:rPr lang="ko-KR" altLang="en-US" sz="1200" dirty="0" smtClean="0"/>
+              <a:t>를 이용하여 로그인 화면을 구현하였습니다</a:t>
+            </a:r>
+            <a:r>
+              <a:rPr lang="en-US" altLang="ko-KR" sz="1200" smtClean="0"/>
+              <a:t>.</a:t>
+            </a:r>
+            <a:endParaRPr lang="ko-KR" altLang="en-US" sz="1200" dirty="0"/>
+          </a:p>
+        </p:txBody>
+      </p:sp>
+      <p:pic>
+        <p:nvPicPr>
+          <p:cNvPr id="3" name="그림 2"/>
+          <p:cNvPicPr>
+            <a:picLocks noChangeAspect="1"/>
+          </p:cNvPicPr>
+          <p:nvPr/>
+        </p:nvPicPr>
+        <p:blipFill>
+          <a:blip r:embed="rId2">
+            <a:extLst>
+              <a:ext uri="{28A0092B-C50C-407E-A947-70E740481C1C}">
+                <a14:useLocalDpi xmlns:a14="http://schemas.microsoft.com/office/drawing/2010/main" val="0"/>
+              </a:ext>
+            </a:extLst>
+          </a:blip>
+          <a:stretch>
+            <a:fillRect/>
+          </a:stretch>
+        </p:blipFill>
+        <p:spPr>
+          <a:xfrm>
+            <a:off x="297035" y="3407705"/>
+            <a:ext cx="7515325" cy="3016532"/>
+          </a:xfrm>
+          <a:prstGeom prst="rect">
+            <a:avLst/>
+          </a:prstGeom>
+        </p:spPr>
+      </p:pic>
+    </p:spTree>
+    <p:extLst>
+      <p:ext uri="{BB962C8B-B14F-4D97-AF65-F5344CB8AC3E}">
+        <p14:creationId xmlns:p14="http://schemas.microsoft.com/office/powerpoint/2010/main" val="3190699977"/>
+      </p:ext>
+    </p:extLst>
+  </p:cSld>
+  <p:clrMapOvr>
+    <a:masterClrMapping/>
+  </p:clrMapOvr>
+  <p:timing>
+    <p:tnLst>
+      <p:par>
+        <p:cTn id="1" dur="indefinite" restart="never" nodeType="tmRoot"/>
+      </p:par>
+    </p:tnLst>
+  </p:timing>
+</p:sld>
+</file>
+
+<file path=ppt/slides/slide15.xml><?xml version="1.0" encoding="utf-8"?>
+<p:sld xmlns:a="http://schemas.openxmlformats.org/drawingml/2006/main" xmlns:r="http://schemas.openxmlformats.org/officeDocument/2006/relationships" xmlns:p="http://schemas.openxmlformats.org/presentationml/2006/main">
+  <p:cSld>
+    <p:spTree>
+      <p:nvGrpSpPr>
+        <p:cNvPr id="1" name=""/>
+        <p:cNvGrpSpPr/>
+        <p:nvPr/>
+      </p:nvGrpSpPr>
+      <p:grpSpPr>
+        <a:xfrm>
+          <a:off x="0" y="0"/>
+          <a:ext cx="0" cy="0"/>
+          <a:chOff x="0" y="0"/>
+          <a:chExt cx="0" cy="0"/>
+        </a:xfrm>
+      </p:grpSpPr>
+      <p:sp>
+        <p:nvSpPr>
+          <p:cNvPr id="2" name="TextBox 1"/>
+          <p:cNvSpPr txBox="1"/>
+          <p:nvPr/>
+        </p:nvSpPr>
+        <p:spPr>
+          <a:xfrm>
+            <a:off x="193122" y="116632"/>
+            <a:ext cx="2592288" cy="923330"/>
+          </a:xfrm>
+          <a:prstGeom prst="rect">
+            <a:avLst/>
+          </a:prstGeom>
+          <a:noFill/>
+        </p:spPr>
+        <p:txBody>
+          <a:bodyPr wrap="square" rtlCol="0">
+            <a:spAutoFit/>
+          </a:bodyPr>
+          <a:lstStyle/>
+          <a:p>
+            <a:r>
+              <a:rPr lang="en-US" altLang="ko-KR" sz="5400" spc="-150" dirty="0" smtClean="0">
+                <a:latin typeface="나눔고딕" panose="020D0604000000000000" pitchFamily="50" charset="-127"/>
+                <a:ea typeface="나눔고딕" panose="020D0604000000000000" pitchFamily="50" charset="-127"/>
+              </a:rPr>
+              <a:t>07</a:t>
+            </a:r>
+            <a:endParaRPr lang="ko-KR" altLang="en-US" sz="5400" spc="-150" dirty="0">
+              <a:latin typeface="나눔고딕" panose="020D0604000000000000" pitchFamily="50" charset="-127"/>
+              <a:ea typeface="나눔고딕" panose="020D0604000000000000" pitchFamily="50" charset="-127"/>
+            </a:endParaRPr>
+          </a:p>
+        </p:txBody>
+      </p:sp>
+      <p:sp>
+        <p:nvSpPr>
+          <p:cNvPr id="4" name="TextBox 3"/>
+          <p:cNvSpPr txBox="1"/>
+          <p:nvPr/>
+        </p:nvSpPr>
+        <p:spPr>
+          <a:xfrm>
+            <a:off x="1187624" y="385500"/>
+            <a:ext cx="4464496" cy="523220"/>
+          </a:xfrm>
+          <a:prstGeom prst="rect">
+            <a:avLst/>
+          </a:prstGeom>
+          <a:noFill/>
+        </p:spPr>
+        <p:txBody>
+          <a:bodyPr wrap="square" rtlCol="0">
+            <a:spAutoFit/>
+          </a:bodyPr>
+          <a:lstStyle/>
+          <a:p>
+            <a:r>
+              <a:rPr lang="ko-KR" altLang="en-US" sz="2800" dirty="0" smtClean="0"/>
+              <a:t>구현 코드</a:t>
+            </a:r>
+            <a:endParaRPr lang="ko-KR" altLang="en-US" sz="2800" dirty="0"/>
+          </a:p>
+        </p:txBody>
+      </p:sp>
+      <p:sp>
+        <p:nvSpPr>
+          <p:cNvPr id="8" name="TextBox 7"/>
+          <p:cNvSpPr txBox="1"/>
+          <p:nvPr/>
+        </p:nvSpPr>
+        <p:spPr>
+          <a:xfrm>
+            <a:off x="193122" y="2355222"/>
+            <a:ext cx="3010726" cy="369332"/>
+          </a:xfrm>
+          <a:prstGeom prst="rect">
+            <a:avLst/>
+          </a:prstGeom>
+          <a:noFill/>
+        </p:spPr>
+        <p:txBody>
+          <a:bodyPr wrap="square" rtlCol="0">
+            <a:spAutoFit/>
+          </a:bodyPr>
+          <a:lstStyle/>
+          <a:p>
+            <a:r>
+              <a:rPr lang="ko-KR" altLang="en-US" dirty="0" smtClean="0">
+                <a:solidFill>
+                  <a:schemeClr val="accent1">
+                    <a:lumMod val="50000"/>
+                  </a:schemeClr>
+                </a:solidFill>
+                <a:latin typeface="나눔고딕" panose="020D0604000000000000" pitchFamily="50" charset="-127"/>
+                <a:ea typeface="나눔고딕" panose="020D0604000000000000" pitchFamily="50" charset="-127"/>
+              </a:rPr>
+              <a:t>로그인 관련 </a:t>
+            </a:r>
+            <a:r>
               <a:rPr lang="ko-KR" altLang="en-US" dirty="0" err="1" smtClean="0">
                 <a:solidFill>
                   <a:schemeClr val="accent1">
@@ -4685,7 +4944,7 @@
 </p:sld>
 </file>
 
-<file path=ppt/slides/slide15.xml><?xml version="1.0" encoding="utf-8"?>
+<file path=ppt/slides/slide16.xml><?xml version="1.0" encoding="utf-8"?>
 <p:sld xmlns:a="http://schemas.openxmlformats.org/drawingml/2006/main" xmlns:r="http://schemas.openxmlformats.org/officeDocument/2006/relationships" xmlns:p="http://schemas.openxmlformats.org/presentationml/2006/main">
   <p:cSld>
     <p:spTree>
@@ -4939,7 +5198,7 @@
 </p:sld>
 </file>
 
-<file path=ppt/slides/slide16.xml><?xml version="1.0" encoding="utf-8"?>
+<file path=ppt/slides/slide17.xml><?xml version="1.0" encoding="utf-8"?>
 <p:sld xmlns:a="http://schemas.openxmlformats.org/drawingml/2006/main" xmlns:r="http://schemas.openxmlformats.org/officeDocument/2006/relationships" xmlns:p="http://schemas.openxmlformats.org/presentationml/2006/main">
   <p:cSld>
     <p:spTree>
@@ -5192,7 +5451,7 @@
 </p:sld>
 </file>
 
-<file path=ppt/slides/slide17.xml><?xml version="1.0" encoding="utf-8"?>
+<file path=ppt/slides/slide18.xml><?xml version="1.0" encoding="utf-8"?>
 <p:sld xmlns:a="http://schemas.openxmlformats.org/drawingml/2006/main" xmlns:r="http://schemas.openxmlformats.org/officeDocument/2006/relationships" xmlns:p="http://schemas.openxmlformats.org/presentationml/2006/main">
   <p:cSld>
     <p:spTree>
@@ -5633,7 +5892,7 @@
 </p:sld>
 </file>
 
-<file path=ppt/slides/slide18.xml><?xml version="1.0" encoding="utf-8"?>
+<file path=ppt/slides/slide19.xml><?xml version="1.0" encoding="utf-8"?>
 <p:sld xmlns:a="http://schemas.openxmlformats.org/drawingml/2006/main" xmlns:r="http://schemas.openxmlformats.org/officeDocument/2006/relationships" xmlns:p="http://schemas.openxmlformats.org/presentationml/2006/main">
   <p:cSld>
     <p:spTree>
@@ -5879,239 +6138,6 @@
     <p:extLst>
       <p:ext uri="{BB962C8B-B14F-4D97-AF65-F5344CB8AC3E}">
         <p14:creationId xmlns:p14="http://schemas.microsoft.com/office/powerpoint/2010/main" val="2459879193"/>
-      </p:ext>
-    </p:extLst>
-  </p:cSld>
-  <p:clrMapOvr>
-    <a:masterClrMapping/>
-  </p:clrMapOvr>
-  <p:timing>
-    <p:tnLst>
-      <p:par>
-        <p:cTn id="1" dur="indefinite" restart="never" nodeType="tmRoot"/>
-      </p:par>
-    </p:tnLst>
-  </p:timing>
-</p:sld>
-</file>
-
-<file path=ppt/slides/slide19.xml><?xml version="1.0" encoding="utf-8"?>
-<p:sld xmlns:a="http://schemas.openxmlformats.org/drawingml/2006/main" xmlns:r="http://schemas.openxmlformats.org/officeDocument/2006/relationships" xmlns:p="http://schemas.openxmlformats.org/presentationml/2006/main">
-  <p:cSld>
-    <p:spTree>
-      <p:nvGrpSpPr>
-        <p:cNvPr id="1" name=""/>
-        <p:cNvGrpSpPr/>
-        <p:nvPr/>
-      </p:nvGrpSpPr>
-      <p:grpSpPr>
-        <a:xfrm>
-          <a:off x="0" y="0"/>
-          <a:ext cx="0" cy="0"/>
-          <a:chOff x="0" y="0"/>
-          <a:chExt cx="0" cy="0"/>
-        </a:xfrm>
-      </p:grpSpPr>
-      <p:sp>
-        <p:nvSpPr>
-          <p:cNvPr id="2" name="TextBox 1"/>
-          <p:cNvSpPr txBox="1"/>
-          <p:nvPr/>
-        </p:nvSpPr>
-        <p:spPr>
-          <a:xfrm>
-            <a:off x="193122" y="116632"/>
-            <a:ext cx="2592288" cy="923330"/>
-          </a:xfrm>
-          <a:prstGeom prst="rect">
-            <a:avLst/>
-          </a:prstGeom>
-          <a:noFill/>
-        </p:spPr>
-        <p:txBody>
-          <a:bodyPr wrap="square" rtlCol="0">
-            <a:spAutoFit/>
-          </a:bodyPr>
-          <a:lstStyle/>
-          <a:p>
-            <a:r>
-              <a:rPr lang="en-US" altLang="ko-KR" sz="5400" spc="-150" dirty="0" smtClean="0">
-                <a:latin typeface="나눔고딕" panose="020D0604000000000000" pitchFamily="50" charset="-127"/>
-                <a:ea typeface="나눔고딕" panose="020D0604000000000000" pitchFamily="50" charset="-127"/>
-              </a:rPr>
-              <a:t>08</a:t>
-            </a:r>
-            <a:endParaRPr lang="ko-KR" altLang="en-US" sz="5400" spc="-150" dirty="0">
-              <a:latin typeface="나눔고딕" panose="020D0604000000000000" pitchFamily="50" charset="-127"/>
-              <a:ea typeface="나눔고딕" panose="020D0604000000000000" pitchFamily="50" charset="-127"/>
-            </a:endParaRPr>
-          </a:p>
-        </p:txBody>
-      </p:sp>
-      <p:sp>
-        <p:nvSpPr>
-          <p:cNvPr id="4" name="TextBox 3"/>
-          <p:cNvSpPr txBox="1"/>
-          <p:nvPr/>
-        </p:nvSpPr>
-        <p:spPr>
-          <a:xfrm>
-            <a:off x="1187624" y="385500"/>
-            <a:ext cx="4464496" cy="523220"/>
-          </a:xfrm>
-          <a:prstGeom prst="rect">
-            <a:avLst/>
-          </a:prstGeom>
-          <a:noFill/>
-        </p:spPr>
-        <p:txBody>
-          <a:bodyPr wrap="square" rtlCol="0">
-            <a:spAutoFit/>
-          </a:bodyPr>
-          <a:lstStyle/>
-          <a:p>
-            <a:r>
-              <a:rPr lang="ko-KR" altLang="en-US" sz="2800" dirty="0" smtClean="0"/>
-              <a:t>사이트 화면</a:t>
-            </a:r>
-            <a:endParaRPr lang="ko-KR" altLang="en-US" sz="2800" dirty="0"/>
-          </a:p>
-        </p:txBody>
-      </p:sp>
-      <p:pic>
-        <p:nvPicPr>
-          <p:cNvPr id="3" name="그림 2"/>
-          <p:cNvPicPr>
-            <a:picLocks noChangeAspect="1"/>
-          </p:cNvPicPr>
-          <p:nvPr/>
-        </p:nvPicPr>
-        <p:blipFill>
-          <a:blip r:embed="rId2" cstate="print">
-            <a:extLst>
-              <a:ext uri="{28A0092B-C50C-407E-A947-70E740481C1C}">
-                <a14:useLocalDpi xmlns:a14="http://schemas.microsoft.com/office/drawing/2010/main" val="0"/>
-              </a:ext>
-            </a:extLst>
-          </a:blip>
-          <a:stretch>
-            <a:fillRect/>
-          </a:stretch>
-        </p:blipFill>
-        <p:spPr>
-          <a:xfrm>
-            <a:off x="297034" y="2996952"/>
-            <a:ext cx="4037057" cy="2304256"/>
-          </a:xfrm>
-          <a:prstGeom prst="rect">
-            <a:avLst/>
-          </a:prstGeom>
-        </p:spPr>
-      </p:pic>
-      <p:pic>
-        <p:nvPicPr>
-          <p:cNvPr id="5" name="그림 4"/>
-          <p:cNvPicPr>
-            <a:picLocks noChangeAspect="1"/>
-          </p:cNvPicPr>
-          <p:nvPr/>
-        </p:nvPicPr>
-        <p:blipFill>
-          <a:blip r:embed="rId3" cstate="print">
-            <a:extLst>
-              <a:ext uri="{28A0092B-C50C-407E-A947-70E740481C1C}">
-                <a14:useLocalDpi xmlns:a14="http://schemas.microsoft.com/office/drawing/2010/main" val="0"/>
-              </a:ext>
-            </a:extLst>
-          </a:blip>
-          <a:stretch>
-            <a:fillRect/>
-          </a:stretch>
-        </p:blipFill>
-        <p:spPr>
-          <a:xfrm>
-            <a:off x="4644008" y="2996708"/>
-            <a:ext cx="4191036" cy="2376508"/>
-          </a:xfrm>
-          <a:prstGeom prst="rect">
-            <a:avLst/>
-          </a:prstGeom>
-        </p:spPr>
-      </p:pic>
-      <p:sp>
-        <p:nvSpPr>
-          <p:cNvPr id="10" name="TextBox 9"/>
-          <p:cNvSpPr txBox="1"/>
-          <p:nvPr/>
-        </p:nvSpPr>
-        <p:spPr>
-          <a:xfrm>
-            <a:off x="297034" y="2599398"/>
-            <a:ext cx="4037057" cy="276999"/>
-          </a:xfrm>
-          <a:prstGeom prst="rect">
-            <a:avLst/>
-          </a:prstGeom>
-          <a:noFill/>
-          <a:ln>
-            <a:solidFill>
-              <a:schemeClr val="tx1"/>
-            </a:solidFill>
-          </a:ln>
-        </p:spPr>
-        <p:txBody>
-          <a:bodyPr wrap="square" rtlCol="0">
-            <a:spAutoFit/>
-          </a:bodyPr>
-          <a:lstStyle/>
-          <a:p>
-            <a:r>
-              <a:rPr lang="ko-KR" altLang="en-US" sz="1200" dirty="0" smtClean="0"/>
-              <a:t>메인 화면</a:t>
-            </a:r>
-            <a:endParaRPr lang="ko-KR" altLang="en-US" sz="1200" dirty="0"/>
-          </a:p>
-        </p:txBody>
-      </p:sp>
-      <p:sp>
-        <p:nvSpPr>
-          <p:cNvPr id="11" name="TextBox 10"/>
-          <p:cNvSpPr txBox="1"/>
-          <p:nvPr/>
-        </p:nvSpPr>
-        <p:spPr>
-          <a:xfrm>
-            <a:off x="4644008" y="2589409"/>
-            <a:ext cx="4104456" cy="276999"/>
-          </a:xfrm>
-          <a:prstGeom prst="rect">
-            <a:avLst/>
-          </a:prstGeom>
-          <a:noFill/>
-          <a:ln>
-            <a:solidFill>
-              <a:schemeClr val="tx1"/>
-            </a:solidFill>
-          </a:ln>
-        </p:spPr>
-        <p:txBody>
-          <a:bodyPr wrap="square" rtlCol="0">
-            <a:spAutoFit/>
-          </a:bodyPr>
-          <a:lstStyle/>
-          <a:p>
-            <a:r>
-              <a:rPr lang="ko-KR" altLang="en-US" sz="1200" dirty="0" smtClean="0"/>
-              <a:t>제품 조회 화면</a:t>
-            </a:r>
-            <a:endParaRPr lang="ko-KR" altLang="en-US" sz="1200" dirty="0"/>
-          </a:p>
-        </p:txBody>
-      </p:sp>
-    </p:spTree>
-    <p:extLst>
-      <p:ext uri="{BB962C8B-B14F-4D97-AF65-F5344CB8AC3E}">
-        <p14:creationId xmlns:p14="http://schemas.microsoft.com/office/powerpoint/2010/main" val="2161948326"/>
       </p:ext>
     </p:extLst>
   </p:cSld>
@@ -6865,6 +6891,239 @@
           </a:p>
         </p:txBody>
       </p:sp>
+      <p:pic>
+        <p:nvPicPr>
+          <p:cNvPr id="3" name="그림 2"/>
+          <p:cNvPicPr>
+            <a:picLocks noChangeAspect="1"/>
+          </p:cNvPicPr>
+          <p:nvPr/>
+        </p:nvPicPr>
+        <p:blipFill>
+          <a:blip r:embed="rId2" cstate="print">
+            <a:extLst>
+              <a:ext uri="{28A0092B-C50C-407E-A947-70E740481C1C}">
+                <a14:useLocalDpi xmlns:a14="http://schemas.microsoft.com/office/drawing/2010/main" val="0"/>
+              </a:ext>
+            </a:extLst>
+          </a:blip>
+          <a:stretch>
+            <a:fillRect/>
+          </a:stretch>
+        </p:blipFill>
+        <p:spPr>
+          <a:xfrm>
+            <a:off x="297034" y="2996952"/>
+            <a:ext cx="4037057" cy="2304256"/>
+          </a:xfrm>
+          <a:prstGeom prst="rect">
+            <a:avLst/>
+          </a:prstGeom>
+        </p:spPr>
+      </p:pic>
+      <p:pic>
+        <p:nvPicPr>
+          <p:cNvPr id="5" name="그림 4"/>
+          <p:cNvPicPr>
+            <a:picLocks noChangeAspect="1"/>
+          </p:cNvPicPr>
+          <p:nvPr/>
+        </p:nvPicPr>
+        <p:blipFill>
+          <a:blip r:embed="rId3" cstate="print">
+            <a:extLst>
+              <a:ext uri="{28A0092B-C50C-407E-A947-70E740481C1C}">
+                <a14:useLocalDpi xmlns:a14="http://schemas.microsoft.com/office/drawing/2010/main" val="0"/>
+              </a:ext>
+            </a:extLst>
+          </a:blip>
+          <a:stretch>
+            <a:fillRect/>
+          </a:stretch>
+        </p:blipFill>
+        <p:spPr>
+          <a:xfrm>
+            <a:off x="4644008" y="2996708"/>
+            <a:ext cx="4191036" cy="2376508"/>
+          </a:xfrm>
+          <a:prstGeom prst="rect">
+            <a:avLst/>
+          </a:prstGeom>
+        </p:spPr>
+      </p:pic>
+      <p:sp>
+        <p:nvSpPr>
+          <p:cNvPr id="10" name="TextBox 9"/>
+          <p:cNvSpPr txBox="1"/>
+          <p:nvPr/>
+        </p:nvSpPr>
+        <p:spPr>
+          <a:xfrm>
+            <a:off x="297034" y="2599398"/>
+            <a:ext cx="4037057" cy="276999"/>
+          </a:xfrm>
+          <a:prstGeom prst="rect">
+            <a:avLst/>
+          </a:prstGeom>
+          <a:noFill/>
+          <a:ln>
+            <a:solidFill>
+              <a:schemeClr val="tx1"/>
+            </a:solidFill>
+          </a:ln>
+        </p:spPr>
+        <p:txBody>
+          <a:bodyPr wrap="square" rtlCol="0">
+            <a:spAutoFit/>
+          </a:bodyPr>
+          <a:lstStyle/>
+          <a:p>
+            <a:r>
+              <a:rPr lang="ko-KR" altLang="en-US" sz="1200" dirty="0" smtClean="0"/>
+              <a:t>메인 화면</a:t>
+            </a:r>
+            <a:endParaRPr lang="ko-KR" altLang="en-US" sz="1200" dirty="0"/>
+          </a:p>
+        </p:txBody>
+      </p:sp>
+      <p:sp>
+        <p:nvSpPr>
+          <p:cNvPr id="11" name="TextBox 10"/>
+          <p:cNvSpPr txBox="1"/>
+          <p:nvPr/>
+        </p:nvSpPr>
+        <p:spPr>
+          <a:xfrm>
+            <a:off x="4644008" y="2589409"/>
+            <a:ext cx="4104456" cy="276999"/>
+          </a:xfrm>
+          <a:prstGeom prst="rect">
+            <a:avLst/>
+          </a:prstGeom>
+          <a:noFill/>
+          <a:ln>
+            <a:solidFill>
+              <a:schemeClr val="tx1"/>
+            </a:solidFill>
+          </a:ln>
+        </p:spPr>
+        <p:txBody>
+          <a:bodyPr wrap="square" rtlCol="0">
+            <a:spAutoFit/>
+          </a:bodyPr>
+          <a:lstStyle/>
+          <a:p>
+            <a:r>
+              <a:rPr lang="ko-KR" altLang="en-US" sz="1200" dirty="0" smtClean="0"/>
+              <a:t>제품 조회 화면</a:t>
+            </a:r>
+            <a:endParaRPr lang="ko-KR" altLang="en-US" sz="1200" dirty="0"/>
+          </a:p>
+        </p:txBody>
+      </p:sp>
+    </p:spTree>
+    <p:extLst>
+      <p:ext uri="{BB962C8B-B14F-4D97-AF65-F5344CB8AC3E}">
+        <p14:creationId xmlns:p14="http://schemas.microsoft.com/office/powerpoint/2010/main" val="2161948326"/>
+      </p:ext>
+    </p:extLst>
+  </p:cSld>
+  <p:clrMapOvr>
+    <a:masterClrMapping/>
+  </p:clrMapOvr>
+  <p:timing>
+    <p:tnLst>
+      <p:par>
+        <p:cTn id="1" dur="indefinite" restart="never" nodeType="tmRoot"/>
+      </p:par>
+    </p:tnLst>
+  </p:timing>
+</p:sld>
+</file>
+
+<file path=ppt/slides/slide21.xml><?xml version="1.0" encoding="utf-8"?>
+<p:sld xmlns:a="http://schemas.openxmlformats.org/drawingml/2006/main" xmlns:r="http://schemas.openxmlformats.org/officeDocument/2006/relationships" xmlns:p="http://schemas.openxmlformats.org/presentationml/2006/main">
+  <p:cSld>
+    <p:spTree>
+      <p:nvGrpSpPr>
+        <p:cNvPr id="1" name=""/>
+        <p:cNvGrpSpPr/>
+        <p:nvPr/>
+      </p:nvGrpSpPr>
+      <p:grpSpPr>
+        <a:xfrm>
+          <a:off x="0" y="0"/>
+          <a:ext cx="0" cy="0"/>
+          <a:chOff x="0" y="0"/>
+          <a:chExt cx="0" cy="0"/>
+        </a:xfrm>
+      </p:grpSpPr>
+      <p:sp>
+        <p:nvSpPr>
+          <p:cNvPr id="2" name="TextBox 1"/>
+          <p:cNvSpPr txBox="1"/>
+          <p:nvPr/>
+        </p:nvSpPr>
+        <p:spPr>
+          <a:xfrm>
+            <a:off x="193122" y="116632"/>
+            <a:ext cx="2592288" cy="923330"/>
+          </a:xfrm>
+          <a:prstGeom prst="rect">
+            <a:avLst/>
+          </a:prstGeom>
+          <a:noFill/>
+        </p:spPr>
+        <p:txBody>
+          <a:bodyPr wrap="square" rtlCol="0">
+            <a:spAutoFit/>
+          </a:bodyPr>
+          <a:lstStyle/>
+          <a:p>
+            <a:r>
+              <a:rPr lang="en-US" altLang="ko-KR" sz="5400" spc="-150" dirty="0" smtClean="0">
+                <a:latin typeface="나눔고딕" panose="020D0604000000000000" pitchFamily="50" charset="-127"/>
+                <a:ea typeface="나눔고딕" panose="020D0604000000000000" pitchFamily="50" charset="-127"/>
+              </a:rPr>
+              <a:t>08</a:t>
+            </a:r>
+            <a:endParaRPr lang="ko-KR" altLang="en-US" sz="5400" spc="-150" dirty="0">
+              <a:latin typeface="나눔고딕" panose="020D0604000000000000" pitchFamily="50" charset="-127"/>
+              <a:ea typeface="나눔고딕" panose="020D0604000000000000" pitchFamily="50" charset="-127"/>
+            </a:endParaRPr>
+          </a:p>
+        </p:txBody>
+      </p:sp>
+      <p:sp>
+        <p:nvSpPr>
+          <p:cNvPr id="4" name="TextBox 3"/>
+          <p:cNvSpPr txBox="1"/>
+          <p:nvPr/>
+        </p:nvSpPr>
+        <p:spPr>
+          <a:xfrm>
+            <a:off x="1187624" y="385500"/>
+            <a:ext cx="4464496" cy="523220"/>
+          </a:xfrm>
+          <a:prstGeom prst="rect">
+            <a:avLst/>
+          </a:prstGeom>
+          <a:noFill/>
+        </p:spPr>
+        <p:txBody>
+          <a:bodyPr wrap="square" rtlCol="0">
+            <a:spAutoFit/>
+          </a:bodyPr>
+          <a:lstStyle/>
+          <a:p>
+            <a:r>
+              <a:rPr lang="ko-KR" altLang="en-US" sz="2800" dirty="0" smtClean="0"/>
+              <a:t>사이트 화면</a:t>
+            </a:r>
+            <a:endParaRPr lang="ko-KR" altLang="en-US" sz="2800" dirty="0"/>
+          </a:p>
+        </p:txBody>
+      </p:sp>
       <p:sp>
         <p:nvSpPr>
           <p:cNvPr id="10" name="TextBox 9"/>
@@ -7015,7 +7274,7 @@
 </p:sld>
 </file>
 
-<file path=ppt/slides/slide21.xml><?xml version="1.0" encoding="utf-8"?>
+<file path=ppt/slides/slide22.xml><?xml version="1.0" encoding="utf-8"?>
 <p:sld xmlns:a="http://schemas.openxmlformats.org/drawingml/2006/main" xmlns:r="http://schemas.openxmlformats.org/officeDocument/2006/relationships" xmlns:p="http://schemas.openxmlformats.org/presentationml/2006/main">
   <p:cSld>
     <p:spTree>
@@ -7248,7 +7507,7 @@
 </p:sld>
 </file>
 
-<file path=ppt/slides/slide22.xml><?xml version="1.0" encoding="utf-8"?>
+<file path=ppt/slides/slide23.xml><?xml version="1.0" encoding="utf-8"?>
 <p:sld xmlns:a="http://schemas.openxmlformats.org/drawingml/2006/main" xmlns:r="http://schemas.openxmlformats.org/officeDocument/2006/relationships" xmlns:p="http://schemas.openxmlformats.org/presentationml/2006/main">
   <p:cSld>
     <p:spTree>
@@ -7481,7 +7740,7 @@
 </p:sld>
 </file>
 
-<file path=ppt/slides/slide23.xml><?xml version="1.0" encoding="utf-8"?>
+<file path=ppt/slides/slide24.xml><?xml version="1.0" encoding="utf-8"?>
 <p:sld xmlns:a="http://schemas.openxmlformats.org/drawingml/2006/main" xmlns:r="http://schemas.openxmlformats.org/officeDocument/2006/relationships" xmlns:p="http://schemas.openxmlformats.org/presentationml/2006/main">
   <p:cSld>
     <p:spTree>

--- a/새 폴더/제출용 폴더 - 복사본/포트폴리오_안준성.pptx
+++ b/새 폴더/제출용 폴더 - 복사본/포트폴리오_안준성.pptx
@@ -3621,7 +3621,7 @@
           <a:lstStyle/>
           <a:p>
             <a:r>
-              <a:rPr lang="ko-KR" altLang="en-US" sz="7200" spc="-150" dirty="0" smtClean="0">
+              <a:rPr lang="ko-KR" altLang="en-US" sz="7200" spc="-150" smtClean="0">
                 <a:solidFill>
                   <a:schemeClr val="accent6">
                     <a:lumMod val="50000"/>
@@ -3630,7 +3630,7 @@
                 <a:latin typeface="나눔고딕 ExtraBold" panose="020D0904000000000000" pitchFamily="50" charset="-127"/>
                 <a:ea typeface="나눔고딕 ExtraBold" panose="020D0904000000000000" pitchFamily="50" charset="-127"/>
               </a:rPr>
-              <a:t>개인 쇼핑몰</a:t>
+              <a:t>포트폴리오</a:t>
             </a:r>
             <a:endParaRPr lang="en-US" altLang="ko-KR" sz="7200" spc="-150" dirty="0" smtClean="0">
               <a:solidFill>
@@ -4552,19 +4552,7 @@
                 <a:latin typeface="나눔고딕" panose="020D0604000000000000" pitchFamily="50" charset="-127"/>
                 <a:ea typeface="나눔고딕" panose="020D0604000000000000" pitchFamily="50" charset="-127"/>
               </a:rPr>
-              <a:t> </a:t>
-            </a:r>
-            <a:r>
-              <a:rPr lang="ko-KR" altLang="en-US" dirty="0" smtClean="0">
-                <a:solidFill>
-                  <a:schemeClr val="accent1">
-                    <a:lumMod val="50000"/>
-                  </a:schemeClr>
-                </a:solidFill>
-                <a:latin typeface="나눔고딕" panose="020D0604000000000000" pitchFamily="50" charset="-127"/>
-                <a:ea typeface="나눔고딕" panose="020D0604000000000000" pitchFamily="50" charset="-127"/>
-              </a:rPr>
-              <a:t>코드</a:t>
+              <a:t> 코드</a:t>
             </a:r>
             <a:endParaRPr lang="ko-KR" altLang="en-US" dirty="0">
               <a:solidFill>
